--- a/ideas/Arcade Game Presentatie.pptx
+++ b/ideas/Arcade Game Presentatie.pptx
@@ -110,6 +110,11 @@
       </a:defRPr>
     </a:lvl9pPr>
   </p:defaultTextStyle>
+  <p:extLst>
+    <p:ext uri="{EFAFB233-063F-42B5-8137-9DF3F51BA10A}">
+      <p15:sldGuideLst xmlns:p15="http://schemas.microsoft.com/office/powerpoint/2012/main"/>
+    </p:ext>
+  </p:extLst>
 </p:presentation>
 </file>
 
@@ -4775,8 +4780,8 @@
       </dsp:nvSpPr>
       <dsp:spPr>
         <a:xfrm>
-          <a:off x="0" y="251791"/>
-          <a:ext cx="6248400" cy="1642680"/>
+          <a:off x="0" y="185731"/>
+          <a:ext cx="6248400" cy="1684800"/>
         </a:xfrm>
         <a:prstGeom prst="roundRect">
           <a:avLst/>
@@ -4818,12 +4823,12 @@
         </a:fontRef>
       </dsp:style>
       <dsp:txBody>
-        <a:bodyPr spcFirstLastPara="0" vert="horz" wrap="square" lIns="148590" tIns="148590" rIns="148590" bIns="148590" numCol="1" spcCol="1270" anchor="ctr" anchorCtr="0">
+        <a:bodyPr spcFirstLastPara="0" vert="horz" wrap="square" lIns="152400" tIns="152400" rIns="152400" bIns="152400" numCol="1" spcCol="1270" anchor="ctr" anchorCtr="0">
           <a:noAutofit/>
         </a:bodyPr>
         <a:lstStyle/>
         <a:p>
-          <a:pPr marL="0" lvl="0" indent="0" algn="l" defTabSz="1733550">
+          <a:pPr marL="0" lvl="0" indent="0" algn="l" defTabSz="1778000">
             <a:lnSpc>
               <a:spcPct val="90000"/>
             </a:lnSpc>
@@ -4836,19 +4841,19 @@
             <a:buNone/>
           </a:pPr>
           <a:r>
-            <a:rPr lang="nl-NL" sz="3900" kern="1200" dirty="0">
+            <a:rPr lang="nl-NL" sz="4000" kern="1200" dirty="0">
               <a:latin typeface="Algerian" panose="04020705040A02060702" pitchFamily="82" charset="0"/>
             </a:rPr>
             <a:t>Weinig ideeën konden uitgevoerd worden</a:t>
           </a:r>
-          <a:endParaRPr lang="en-US" sz="3900" kern="1200" dirty="0">
+          <a:endParaRPr lang="en-US" sz="4000" kern="1200" dirty="0">
             <a:latin typeface="Algerian" panose="04020705040A02060702" pitchFamily="82" charset="0"/>
           </a:endParaRPr>
         </a:p>
       </dsp:txBody>
       <dsp:txXfrm>
-        <a:off x="80189" y="331980"/>
-        <a:ext cx="6088022" cy="1482302"/>
+        <a:off x="82245" y="267976"/>
+        <a:ext cx="6083910" cy="1520310"/>
       </dsp:txXfrm>
     </dsp:sp>
     <dsp:sp modelId="{D0F416D6-BA10-4151-BE12-3183419D114A}">
@@ -4858,8 +4863,8 @@
       </dsp:nvSpPr>
       <dsp:spPr>
         <a:xfrm>
-          <a:off x="0" y="2006791"/>
-          <a:ext cx="6248400" cy="1642680"/>
+          <a:off x="0" y="1985731"/>
+          <a:ext cx="6248400" cy="1684800"/>
         </a:xfrm>
         <a:prstGeom prst="roundRect">
           <a:avLst/>
@@ -4901,12 +4906,12 @@
         </a:fontRef>
       </dsp:style>
       <dsp:txBody>
-        <a:bodyPr spcFirstLastPara="0" vert="horz" wrap="square" lIns="148590" tIns="148590" rIns="148590" bIns="148590" numCol="1" spcCol="1270" anchor="ctr" anchorCtr="0">
+        <a:bodyPr spcFirstLastPara="0" vert="horz" wrap="square" lIns="152400" tIns="152400" rIns="152400" bIns="152400" numCol="1" spcCol="1270" anchor="ctr" anchorCtr="0">
           <a:noAutofit/>
         </a:bodyPr>
         <a:lstStyle/>
         <a:p>
-          <a:pPr marL="0" lvl="0" indent="0" algn="l" defTabSz="1733550">
+          <a:pPr marL="0" lvl="0" indent="0" algn="l" defTabSz="1778000">
             <a:lnSpc>
               <a:spcPct val="90000"/>
             </a:lnSpc>
@@ -4919,19 +4924,19 @@
             <a:buNone/>
           </a:pPr>
           <a:r>
-            <a:rPr lang="nl-NL" sz="3900" kern="1200" dirty="0">
+            <a:rPr lang="nl-NL" sz="4000" kern="1200" dirty="0">
               <a:latin typeface="Algerian" panose="04020705040A02060702" pitchFamily="82" charset="0"/>
             </a:rPr>
             <a:t>Erg simpel maar toch nog functionerend</a:t>
           </a:r>
-          <a:endParaRPr lang="en-US" sz="3900" kern="1200" dirty="0">
+          <a:endParaRPr lang="en-US" sz="4000" kern="1200" dirty="0">
             <a:latin typeface="Algerian" panose="04020705040A02060702" pitchFamily="82" charset="0"/>
           </a:endParaRPr>
         </a:p>
       </dsp:txBody>
       <dsp:txXfrm>
-        <a:off x="80189" y="2086980"/>
-        <a:ext cx="6088022" cy="1482302"/>
+        <a:off x="82245" y="2067976"/>
+        <a:ext cx="6083910" cy="1520310"/>
       </dsp:txXfrm>
     </dsp:sp>
     <dsp:sp modelId="{3FAAC003-3C74-4573-B574-C9D6759CE03F}">
@@ -4941,8 +4946,8 @@
       </dsp:nvSpPr>
       <dsp:spPr>
         <a:xfrm>
-          <a:off x="0" y="3761791"/>
-          <a:ext cx="6248400" cy="1642680"/>
+          <a:off x="0" y="3785731"/>
+          <a:ext cx="6248400" cy="1684800"/>
         </a:xfrm>
         <a:prstGeom prst="roundRect">
           <a:avLst/>
@@ -4984,12 +4989,12 @@
         </a:fontRef>
       </dsp:style>
       <dsp:txBody>
-        <a:bodyPr spcFirstLastPara="0" vert="horz" wrap="square" lIns="148590" tIns="148590" rIns="148590" bIns="148590" numCol="1" spcCol="1270" anchor="ctr" anchorCtr="0">
+        <a:bodyPr spcFirstLastPara="0" vert="horz" wrap="square" lIns="152400" tIns="152400" rIns="152400" bIns="152400" numCol="1" spcCol="1270" anchor="ctr" anchorCtr="0">
           <a:noAutofit/>
         </a:bodyPr>
         <a:lstStyle/>
         <a:p>
-          <a:pPr marL="0" lvl="0" indent="0" algn="l" defTabSz="1733550">
+          <a:pPr marL="0" lvl="0" indent="0" algn="l" defTabSz="1778000">
             <a:lnSpc>
               <a:spcPct val="90000"/>
             </a:lnSpc>
@@ -5002,19 +5007,19 @@
             <a:buNone/>
           </a:pPr>
           <a:r>
-            <a:rPr lang="nl-NL" sz="3900" kern="1200" dirty="0">
+            <a:rPr lang="nl-NL" sz="4000" kern="1200" dirty="0">
               <a:latin typeface="Algerian" panose="04020705040A02060702" pitchFamily="82" charset="0"/>
             </a:rPr>
             <a:t>Erg veel problemen</a:t>
           </a:r>
-          <a:endParaRPr lang="en-US" sz="3900" kern="1200" dirty="0">
+          <a:endParaRPr lang="en-US" sz="4000" kern="1200" dirty="0">
             <a:latin typeface="Algerian" panose="04020705040A02060702" pitchFamily="82" charset="0"/>
           </a:endParaRPr>
         </a:p>
       </dsp:txBody>
       <dsp:txXfrm>
-        <a:off x="80189" y="3841980"/>
-        <a:ext cx="6088022" cy="1482302"/>
+        <a:off x="82245" y="3867976"/>
+        <a:ext cx="6083910" cy="1520310"/>
       </dsp:txXfrm>
     </dsp:sp>
   </dsp:spTree>
@@ -8956,7 +8961,7 @@
           <a:p>
             <a:fld id="{DFA1D2D5-E884-4BB7-B4F9-7C89DDCF6064}" type="datetimeFigureOut">
               <a:rPr lang="nl-NL" smtClean="0"/>
-              <a:t>13-4-2021</a:t>
+              <a:t>14-4-2021</a:t>
             </a:fld>
             <a:endParaRPr lang="nl-NL"/>
           </a:p>
@@ -9154,7 +9159,7 @@
           <a:p>
             <a:fld id="{DFA1D2D5-E884-4BB7-B4F9-7C89DDCF6064}" type="datetimeFigureOut">
               <a:rPr lang="nl-NL" smtClean="0"/>
-              <a:t>13-4-2021</a:t>
+              <a:t>14-4-2021</a:t>
             </a:fld>
             <a:endParaRPr lang="nl-NL"/>
           </a:p>
@@ -9362,7 +9367,7 @@
           <a:p>
             <a:fld id="{DFA1D2D5-E884-4BB7-B4F9-7C89DDCF6064}" type="datetimeFigureOut">
               <a:rPr lang="nl-NL" smtClean="0"/>
-              <a:t>13-4-2021</a:t>
+              <a:t>14-4-2021</a:t>
             </a:fld>
             <a:endParaRPr lang="nl-NL"/>
           </a:p>
@@ -9560,7 +9565,7 @@
           <a:p>
             <a:fld id="{DFA1D2D5-E884-4BB7-B4F9-7C89DDCF6064}" type="datetimeFigureOut">
               <a:rPr lang="nl-NL" smtClean="0"/>
-              <a:t>13-4-2021</a:t>
+              <a:t>14-4-2021</a:t>
             </a:fld>
             <a:endParaRPr lang="nl-NL"/>
           </a:p>
@@ -9835,7 +9840,7 @@
           <a:p>
             <a:fld id="{DFA1D2D5-E884-4BB7-B4F9-7C89DDCF6064}" type="datetimeFigureOut">
               <a:rPr lang="nl-NL" smtClean="0"/>
-              <a:t>13-4-2021</a:t>
+              <a:t>14-4-2021</a:t>
             </a:fld>
             <a:endParaRPr lang="nl-NL"/>
           </a:p>
@@ -10100,7 +10105,7 @@
           <a:p>
             <a:fld id="{DFA1D2D5-E884-4BB7-B4F9-7C89DDCF6064}" type="datetimeFigureOut">
               <a:rPr lang="nl-NL" smtClean="0"/>
-              <a:t>13-4-2021</a:t>
+              <a:t>14-4-2021</a:t>
             </a:fld>
             <a:endParaRPr lang="nl-NL"/>
           </a:p>
@@ -10512,7 +10517,7 @@
           <a:p>
             <a:fld id="{DFA1D2D5-E884-4BB7-B4F9-7C89DDCF6064}" type="datetimeFigureOut">
               <a:rPr lang="nl-NL" smtClean="0"/>
-              <a:t>13-4-2021</a:t>
+              <a:t>14-4-2021</a:t>
             </a:fld>
             <a:endParaRPr lang="nl-NL"/>
           </a:p>
@@ -10653,7 +10658,7 @@
           <a:p>
             <a:fld id="{DFA1D2D5-E884-4BB7-B4F9-7C89DDCF6064}" type="datetimeFigureOut">
               <a:rPr lang="nl-NL" smtClean="0"/>
-              <a:t>13-4-2021</a:t>
+              <a:t>14-4-2021</a:t>
             </a:fld>
             <a:endParaRPr lang="nl-NL"/>
           </a:p>
@@ -10766,7 +10771,7 @@
           <a:p>
             <a:fld id="{DFA1D2D5-E884-4BB7-B4F9-7C89DDCF6064}" type="datetimeFigureOut">
               <a:rPr lang="nl-NL" smtClean="0"/>
-              <a:t>13-4-2021</a:t>
+              <a:t>14-4-2021</a:t>
             </a:fld>
             <a:endParaRPr lang="nl-NL"/>
           </a:p>
@@ -11077,7 +11082,7 @@
           <a:p>
             <a:fld id="{DFA1D2D5-E884-4BB7-B4F9-7C89DDCF6064}" type="datetimeFigureOut">
               <a:rPr lang="nl-NL" smtClean="0"/>
-              <a:t>13-4-2021</a:t>
+              <a:t>14-4-2021</a:t>
             </a:fld>
             <a:endParaRPr lang="nl-NL"/>
           </a:p>
@@ -11365,7 +11370,7 @@
           <a:p>
             <a:fld id="{DFA1D2D5-E884-4BB7-B4F9-7C89DDCF6064}" type="datetimeFigureOut">
               <a:rPr lang="nl-NL" smtClean="0"/>
-              <a:t>13-4-2021</a:t>
+              <a:t>14-4-2021</a:t>
             </a:fld>
             <a:endParaRPr lang="nl-NL"/>
           </a:p>
@@ -11606,7 +11611,7 @@
           <a:p>
             <a:fld id="{DFA1D2D5-E884-4BB7-B4F9-7C89DDCF6064}" type="datetimeFigureOut">
               <a:rPr lang="nl-NL" smtClean="0"/>
-              <a:t>13-4-2021</a:t>
+              <a:t>14-4-2021</a:t>
             </a:fld>
             <a:endParaRPr lang="nl-NL"/>
           </a:p>
@@ -13334,6 +13339,241 @@
           </a:p>
         </p:txBody>
       </p:sp>
+      <p:pic>
+        <p:nvPicPr>
+          <p:cNvPr id="1027" name="Picture 3">
+            <a:extLst>
+              <a:ext uri="{FF2B5EF4-FFF2-40B4-BE49-F238E27FC236}">
+                <a16:creationId xmlns:a16="http://schemas.microsoft.com/office/drawing/2014/main" id="{5D0B566F-57E3-433A-863C-DD8D51CAEA65}"/>
+              </a:ext>
+            </a:extLst>
+          </p:cNvPr>
+          <p:cNvPicPr>
+            <a:picLocks noChangeAspect="1" noChangeArrowheads="1"/>
+          </p:cNvPicPr>
+          <p:nvPr/>
+        </p:nvPicPr>
+        <p:blipFill>
+          <a:blip r:embed="rId2">
+            <a:extLst>
+              <a:ext uri="{28A0092B-C50C-407E-A947-70E740481C1C}">
+                <a14:useLocalDpi xmlns:a14="http://schemas.microsoft.com/office/drawing/2010/main" val="0"/>
+              </a:ext>
+            </a:extLst>
+          </a:blip>
+          <a:srcRect/>
+          <a:stretch>
+            <a:fillRect/>
+          </a:stretch>
+        </p:blipFill>
+        <p:spPr bwMode="auto">
+          <a:xfrm rot="2777924">
+            <a:off x="-1040023" y="1089923"/>
+            <a:ext cx="6858000" cy="6858000"/>
+          </a:xfrm>
+          <a:prstGeom prst="rect">
+            <a:avLst/>
+          </a:prstGeom>
+          <a:noFill/>
+          <a:extLst>
+            <a:ext uri="{909E8E84-426E-40DD-AFC4-6F175D3DCCD1}">
+              <a14:hiddenFill xmlns:a14="http://schemas.microsoft.com/office/drawing/2010/main">
+                <a:solidFill>
+                  <a:srgbClr val="FFFFFF"/>
+                </a:solidFill>
+              </a14:hiddenFill>
+            </a:ext>
+          </a:extLst>
+        </p:spPr>
+      </p:pic>
+      <p:pic>
+        <p:nvPicPr>
+          <p:cNvPr id="1033" name="Picture 9">
+            <a:extLst>
+              <a:ext uri="{FF2B5EF4-FFF2-40B4-BE49-F238E27FC236}">
+                <a16:creationId xmlns:a16="http://schemas.microsoft.com/office/drawing/2014/main" id="{4D808F0C-023A-4EBB-983C-50109F178C30}"/>
+              </a:ext>
+            </a:extLst>
+          </p:cNvPr>
+          <p:cNvPicPr>
+            <a:picLocks noChangeAspect="1" noChangeArrowheads="1"/>
+          </p:cNvPicPr>
+          <p:nvPr/>
+        </p:nvPicPr>
+        <p:blipFill>
+          <a:blip r:embed="rId3">
+            <a:extLst>
+              <a:ext uri="{28A0092B-C50C-407E-A947-70E740481C1C}">
+                <a14:useLocalDpi xmlns:a14="http://schemas.microsoft.com/office/drawing/2010/main" val="0"/>
+              </a:ext>
+            </a:extLst>
+          </a:blip>
+          <a:srcRect/>
+          <a:stretch>
+            <a:fillRect/>
+          </a:stretch>
+        </p:blipFill>
+        <p:spPr bwMode="auto">
+          <a:xfrm rot="12956123">
+            <a:off x="5416733" y="702626"/>
+            <a:ext cx="2438400" cy="2438400"/>
+          </a:xfrm>
+          <a:prstGeom prst="rect">
+            <a:avLst/>
+          </a:prstGeom>
+          <a:noFill/>
+          <a:extLst>
+            <a:ext uri="{909E8E84-426E-40DD-AFC4-6F175D3DCCD1}">
+              <a14:hiddenFill xmlns:a14="http://schemas.microsoft.com/office/drawing/2010/main">
+                <a:solidFill>
+                  <a:srgbClr val="FFFFFF"/>
+                </a:solidFill>
+              </a14:hiddenFill>
+            </a:ext>
+          </a:extLst>
+        </p:spPr>
+      </p:pic>
+      <p:pic>
+        <p:nvPicPr>
+          <p:cNvPr id="1035" name="Picture 11">
+            <a:extLst>
+              <a:ext uri="{FF2B5EF4-FFF2-40B4-BE49-F238E27FC236}">
+                <a16:creationId xmlns:a16="http://schemas.microsoft.com/office/drawing/2014/main" id="{49ED87A3-425F-4F38-8D0D-215A2A41F6AC}"/>
+              </a:ext>
+            </a:extLst>
+          </p:cNvPr>
+          <p:cNvPicPr>
+            <a:picLocks noChangeAspect="1" noChangeArrowheads="1"/>
+          </p:cNvPicPr>
+          <p:nvPr/>
+        </p:nvPicPr>
+        <p:blipFill>
+          <a:blip r:embed="rId3">
+            <a:extLst>
+              <a:ext uri="{28A0092B-C50C-407E-A947-70E740481C1C}">
+                <a14:useLocalDpi xmlns:a14="http://schemas.microsoft.com/office/drawing/2010/main" val="0"/>
+              </a:ext>
+            </a:extLst>
+          </a:blip>
+          <a:srcRect/>
+          <a:stretch>
+            <a:fillRect/>
+          </a:stretch>
+        </p:blipFill>
+        <p:spPr bwMode="auto">
+          <a:xfrm rot="12956123">
+            <a:off x="4259298" y="702626"/>
+            <a:ext cx="2438400" cy="2438400"/>
+          </a:xfrm>
+          <a:prstGeom prst="rect">
+            <a:avLst/>
+          </a:prstGeom>
+          <a:noFill/>
+          <a:extLst>
+            <a:ext uri="{909E8E84-426E-40DD-AFC4-6F175D3DCCD1}">
+              <a14:hiddenFill xmlns:a14="http://schemas.microsoft.com/office/drawing/2010/main">
+                <a:solidFill>
+                  <a:srgbClr val="FFFFFF"/>
+                </a:solidFill>
+              </a14:hiddenFill>
+            </a:ext>
+          </a:extLst>
+        </p:spPr>
+      </p:pic>
+      <p:pic>
+        <p:nvPicPr>
+          <p:cNvPr id="1037" name="Picture 13">
+            <a:extLst>
+              <a:ext uri="{FF2B5EF4-FFF2-40B4-BE49-F238E27FC236}">
+                <a16:creationId xmlns:a16="http://schemas.microsoft.com/office/drawing/2014/main" id="{EA05B4BC-D97B-4906-96FF-BDF49DF1807B}"/>
+              </a:ext>
+            </a:extLst>
+          </p:cNvPr>
+          <p:cNvPicPr>
+            <a:picLocks noChangeAspect="1" noChangeArrowheads="1"/>
+          </p:cNvPicPr>
+          <p:nvPr/>
+        </p:nvPicPr>
+        <p:blipFill>
+          <a:blip r:embed="rId3">
+            <a:extLst>
+              <a:ext uri="{28A0092B-C50C-407E-A947-70E740481C1C}">
+                <a14:useLocalDpi xmlns:a14="http://schemas.microsoft.com/office/drawing/2010/main" val="0"/>
+              </a:ext>
+            </a:extLst>
+          </a:blip>
+          <a:srcRect/>
+          <a:stretch>
+            <a:fillRect/>
+          </a:stretch>
+        </p:blipFill>
+        <p:spPr bwMode="auto">
+          <a:xfrm rot="12956123">
+            <a:off x="3114492" y="687968"/>
+            <a:ext cx="2438400" cy="2438400"/>
+          </a:xfrm>
+          <a:prstGeom prst="rect">
+            <a:avLst/>
+          </a:prstGeom>
+          <a:noFill/>
+          <a:extLst>
+            <a:ext uri="{909E8E84-426E-40DD-AFC4-6F175D3DCCD1}">
+              <a14:hiddenFill xmlns:a14="http://schemas.microsoft.com/office/drawing/2010/main">
+                <a:solidFill>
+                  <a:srgbClr val="FFFFFF"/>
+                </a:solidFill>
+              </a14:hiddenFill>
+            </a:ext>
+          </a:extLst>
+        </p:spPr>
+      </p:pic>
+      <p:pic>
+        <p:nvPicPr>
+          <p:cNvPr id="1039" name="Picture 15">
+            <a:extLst>
+              <a:ext uri="{FF2B5EF4-FFF2-40B4-BE49-F238E27FC236}">
+                <a16:creationId xmlns:a16="http://schemas.microsoft.com/office/drawing/2014/main" id="{AE8E3D3E-9638-407A-B4EA-44732AEB1F6B}"/>
+              </a:ext>
+            </a:extLst>
+          </p:cNvPr>
+          <p:cNvPicPr>
+            <a:picLocks noChangeAspect="1" noChangeArrowheads="1"/>
+          </p:cNvPicPr>
+          <p:nvPr/>
+        </p:nvPicPr>
+        <p:blipFill>
+          <a:blip r:embed="rId4">
+            <a:extLst>
+              <a:ext uri="{28A0092B-C50C-407E-A947-70E740481C1C}">
+                <a14:useLocalDpi xmlns:a14="http://schemas.microsoft.com/office/drawing/2010/main" val="0"/>
+              </a:ext>
+            </a:extLst>
+          </a:blip>
+          <a:srcRect/>
+          <a:stretch>
+            <a:fillRect/>
+          </a:stretch>
+        </p:blipFill>
+        <p:spPr bwMode="auto">
+          <a:xfrm rot="14016007">
+            <a:off x="6927686" y="-1989927"/>
+            <a:ext cx="6858000" cy="6858000"/>
+          </a:xfrm>
+          <a:prstGeom prst="rect">
+            <a:avLst/>
+          </a:prstGeom>
+          <a:noFill/>
+          <a:extLst>
+            <a:ext uri="{909E8E84-426E-40DD-AFC4-6F175D3DCCD1}">
+              <a14:hiddenFill xmlns:a14="http://schemas.microsoft.com/office/drawing/2010/main">
+                <a:solidFill>
+                  <a:srgbClr val="FFFFFF"/>
+                </a:solidFill>
+              </a14:hiddenFill>
+            </a:ext>
+          </a:extLst>
+        </p:spPr>
+      </p:pic>
     </p:spTree>
     <p:extLst>
       <p:ext uri="{BB962C8B-B14F-4D97-AF65-F5344CB8AC3E}">
@@ -13344,6 +13584,18 @@
   <p:clrMapOvr>
     <a:masterClrMapping/>
   </p:clrMapOvr>
+  <mc:AlternateContent xmlns:mc="http://schemas.openxmlformats.org/markup-compatibility/2006">
+    <mc:Choice xmlns:p15="http://schemas.microsoft.com/office/powerpoint/2012/main" Requires="p15">
+      <p:transition xmlns:p14="http://schemas.microsoft.com/office/powerpoint/2010/main" spd="slow" p14:dur="2000">
+        <p15:prstTrans prst="prestige"/>
+      </p:transition>
+    </mc:Choice>
+    <mc:Fallback>
+      <p:transition spd="slow">
+        <p:fade/>
+      </p:transition>
+    </mc:Fallback>
+  </mc:AlternateContent>
   <p:timing>
     <p:tnLst>
       <p:par>
@@ -13726,6 +13978,100 @@
           </a:graphicData>
         </a:graphic>
       </p:graphicFrame>
+      <p:pic>
+        <p:nvPicPr>
+          <p:cNvPr id="6146" name="Picture 2">
+            <a:extLst>
+              <a:ext uri="{FF2B5EF4-FFF2-40B4-BE49-F238E27FC236}">
+                <a16:creationId xmlns:a16="http://schemas.microsoft.com/office/drawing/2014/main" id="{A22B47BF-F06F-4565-9D37-D0DA0183234A}"/>
+              </a:ext>
+            </a:extLst>
+          </p:cNvPr>
+          <p:cNvPicPr>
+            <a:picLocks noChangeAspect="1" noChangeArrowheads="1"/>
+          </p:cNvPicPr>
+          <p:nvPr/>
+        </p:nvPicPr>
+        <p:blipFill>
+          <a:blip r:embed="rId7">
+            <a:extLst>
+              <a:ext uri="{28A0092B-C50C-407E-A947-70E740481C1C}">
+                <a14:useLocalDpi xmlns:a14="http://schemas.microsoft.com/office/drawing/2010/main" val="0"/>
+              </a:ext>
+            </a:extLst>
+          </a:blip>
+          <a:srcRect/>
+          <a:stretch>
+            <a:fillRect/>
+          </a:stretch>
+        </p:blipFill>
+        <p:spPr bwMode="auto">
+          <a:xfrm rot="2628562">
+            <a:off x="-1847127" y="2083170"/>
+            <a:ext cx="6858000" cy="6858000"/>
+          </a:xfrm>
+          <a:prstGeom prst="rect">
+            <a:avLst/>
+          </a:prstGeom>
+          <a:noFill/>
+          <a:extLst>
+            <a:ext uri="{909E8E84-426E-40DD-AFC4-6F175D3DCCD1}">
+              <a14:hiddenFill xmlns:a14="http://schemas.microsoft.com/office/drawing/2010/main">
+                <a:solidFill>
+                  <a:srgbClr val="FFFFFF"/>
+                </a:solidFill>
+              </a14:hiddenFill>
+            </a:ext>
+          </a:extLst>
+        </p:spPr>
+      </p:pic>
+      <p:pic>
+        <p:nvPicPr>
+          <p:cNvPr id="6148" name="Picture 4">
+            <a:extLst>
+              <a:ext uri="{FF2B5EF4-FFF2-40B4-BE49-F238E27FC236}">
+                <a16:creationId xmlns:a16="http://schemas.microsoft.com/office/drawing/2014/main" id="{7AA46B58-0B3B-4C15-AF01-18DA5F7D8B47}"/>
+              </a:ext>
+            </a:extLst>
+          </p:cNvPr>
+          <p:cNvPicPr>
+            <a:picLocks noChangeAspect="1" noChangeArrowheads="1"/>
+          </p:cNvPicPr>
+          <p:nvPr/>
+        </p:nvPicPr>
+        <p:blipFill>
+          <a:blip r:embed="rId7">
+            <a:extLst>
+              <a:ext uri="{28A0092B-C50C-407E-A947-70E740481C1C}">
+                <a14:useLocalDpi xmlns:a14="http://schemas.microsoft.com/office/drawing/2010/main" val="0"/>
+              </a:ext>
+            </a:extLst>
+          </a:blip>
+          <a:srcRect/>
+          <a:stretch>
+            <a:fillRect/>
+          </a:stretch>
+        </p:blipFill>
+        <p:spPr bwMode="auto">
+          <a:xfrm rot="9870884">
+            <a:off x="-111327" y="-2921422"/>
+            <a:ext cx="6858000" cy="6858000"/>
+          </a:xfrm>
+          <a:prstGeom prst="rect">
+            <a:avLst/>
+          </a:prstGeom>
+          <a:noFill/>
+          <a:extLst>
+            <a:ext uri="{909E8E84-426E-40DD-AFC4-6F175D3DCCD1}">
+              <a14:hiddenFill xmlns:a14="http://schemas.microsoft.com/office/drawing/2010/main">
+                <a:solidFill>
+                  <a:srgbClr val="FFFFFF"/>
+                </a:solidFill>
+              </a14:hiddenFill>
+            </a:ext>
+          </a:extLst>
+        </p:spPr>
+      </p:pic>
     </p:spTree>
     <p:extLst>
       <p:ext uri="{BB962C8B-B14F-4D97-AF65-F5344CB8AC3E}">
@@ -13736,6 +14082,18 @@
   <p:clrMapOvr>
     <a:masterClrMapping/>
   </p:clrMapOvr>
+  <mc:AlternateContent xmlns:mc="http://schemas.openxmlformats.org/markup-compatibility/2006">
+    <mc:Choice xmlns:p14="http://schemas.microsoft.com/office/powerpoint/2010/main" Requires="p14">
+      <p:transition spd="slow" p14:dur="4000">
+        <p14:vortex dir="r"/>
+      </p:transition>
+    </mc:Choice>
+    <mc:Fallback>
+      <p:transition spd="slow">
+        <p:fade/>
+      </p:transition>
+    </mc:Fallback>
+  </mc:AlternateContent>
 </p:sld>
 </file>
 
@@ -14129,6 +14487,429 @@
           </a:graphicData>
         </a:graphic>
       </p:graphicFrame>
+      <p:pic>
+        <p:nvPicPr>
+          <p:cNvPr id="5124" name="Picture 4">
+            <a:extLst>
+              <a:ext uri="{FF2B5EF4-FFF2-40B4-BE49-F238E27FC236}">
+                <a16:creationId xmlns:a16="http://schemas.microsoft.com/office/drawing/2014/main" id="{4489938B-A845-47CA-BFEB-B3C7ED83771E}"/>
+              </a:ext>
+            </a:extLst>
+          </p:cNvPr>
+          <p:cNvPicPr>
+            <a:picLocks noChangeAspect="1" noChangeArrowheads="1"/>
+          </p:cNvPicPr>
+          <p:nvPr/>
+        </p:nvPicPr>
+        <p:blipFill>
+          <a:blip r:embed="rId7">
+            <a:extLst>
+              <a:ext uri="{28A0092B-C50C-407E-A947-70E740481C1C}">
+                <a14:useLocalDpi xmlns:a14="http://schemas.microsoft.com/office/drawing/2010/main" val="0"/>
+              </a:ext>
+            </a:extLst>
+          </a:blip>
+          <a:srcRect/>
+          <a:stretch>
+            <a:fillRect/>
+          </a:stretch>
+        </p:blipFill>
+        <p:spPr bwMode="auto">
+          <a:xfrm rot="13566421">
+            <a:off x="6500487" y="-2545474"/>
+            <a:ext cx="6858000" cy="6858000"/>
+          </a:xfrm>
+          <a:prstGeom prst="rect">
+            <a:avLst/>
+          </a:prstGeom>
+          <a:noFill/>
+          <a:extLst>
+            <a:ext uri="{909E8E84-426E-40DD-AFC4-6F175D3DCCD1}">
+              <a14:hiddenFill xmlns:a14="http://schemas.microsoft.com/office/drawing/2010/main">
+                <a:solidFill>
+                  <a:srgbClr val="FFFFFF"/>
+                </a:solidFill>
+              </a14:hiddenFill>
+            </a:ext>
+          </a:extLst>
+        </p:spPr>
+      </p:pic>
+      <p:pic>
+        <p:nvPicPr>
+          <p:cNvPr id="5126" name="Picture 6">
+            <a:extLst>
+              <a:ext uri="{FF2B5EF4-FFF2-40B4-BE49-F238E27FC236}">
+                <a16:creationId xmlns:a16="http://schemas.microsoft.com/office/drawing/2014/main" id="{5A5D417B-1879-4F36-99ED-8BC492961D64}"/>
+              </a:ext>
+            </a:extLst>
+          </p:cNvPr>
+          <p:cNvPicPr>
+            <a:picLocks noChangeAspect="1" noChangeArrowheads="1"/>
+          </p:cNvPicPr>
+          <p:nvPr/>
+        </p:nvPicPr>
+        <p:blipFill>
+          <a:blip r:embed="rId8">
+            <a:extLst>
+              <a:ext uri="{28A0092B-C50C-407E-A947-70E740481C1C}">
+                <a14:useLocalDpi xmlns:a14="http://schemas.microsoft.com/office/drawing/2010/main" val="0"/>
+              </a:ext>
+            </a:extLst>
+          </a:blip>
+          <a:srcRect/>
+          <a:stretch>
+            <a:fillRect/>
+          </a:stretch>
+        </p:blipFill>
+        <p:spPr bwMode="auto">
+          <a:xfrm rot="13493665">
+            <a:off x="1425713" y="-1273215"/>
+            <a:ext cx="6858000" cy="6858000"/>
+          </a:xfrm>
+          <a:prstGeom prst="rect">
+            <a:avLst/>
+          </a:prstGeom>
+          <a:noFill/>
+          <a:extLst>
+            <a:ext uri="{909E8E84-426E-40DD-AFC4-6F175D3DCCD1}">
+              <a14:hiddenFill xmlns:a14="http://schemas.microsoft.com/office/drawing/2010/main">
+                <a:solidFill>
+                  <a:srgbClr val="FFFFFF"/>
+                </a:solidFill>
+              </a14:hiddenFill>
+            </a:ext>
+          </a:extLst>
+        </p:spPr>
+      </p:pic>
+      <p:pic>
+        <p:nvPicPr>
+          <p:cNvPr id="5128" name="Picture 8">
+            <a:extLst>
+              <a:ext uri="{FF2B5EF4-FFF2-40B4-BE49-F238E27FC236}">
+                <a16:creationId xmlns:a16="http://schemas.microsoft.com/office/drawing/2014/main" id="{D72BC640-B5E1-4B38-9744-6A33FBC6C9F1}"/>
+              </a:ext>
+            </a:extLst>
+          </p:cNvPr>
+          <p:cNvPicPr>
+            <a:picLocks noChangeAspect="1" noChangeArrowheads="1"/>
+          </p:cNvPicPr>
+          <p:nvPr/>
+        </p:nvPicPr>
+        <p:blipFill>
+          <a:blip r:embed="rId8">
+            <a:extLst>
+              <a:ext uri="{28A0092B-C50C-407E-A947-70E740481C1C}">
+                <a14:useLocalDpi xmlns:a14="http://schemas.microsoft.com/office/drawing/2010/main" val="0"/>
+              </a:ext>
+            </a:extLst>
+          </a:blip>
+          <a:srcRect/>
+          <a:stretch>
+            <a:fillRect/>
+          </a:stretch>
+        </p:blipFill>
+        <p:spPr bwMode="auto">
+          <a:xfrm rot="13485827">
+            <a:off x="4147272" y="2030144"/>
+            <a:ext cx="6858000" cy="6858000"/>
+          </a:xfrm>
+          <a:prstGeom prst="rect">
+            <a:avLst/>
+          </a:prstGeom>
+          <a:noFill/>
+          <a:extLst>
+            <a:ext uri="{909E8E84-426E-40DD-AFC4-6F175D3DCCD1}">
+              <a14:hiddenFill xmlns:a14="http://schemas.microsoft.com/office/drawing/2010/main">
+                <a:solidFill>
+                  <a:srgbClr val="FFFFFF"/>
+                </a:solidFill>
+              </a14:hiddenFill>
+            </a:ext>
+          </a:extLst>
+        </p:spPr>
+      </p:pic>
+      <p:pic>
+        <p:nvPicPr>
+          <p:cNvPr id="5130" name="Picture 10">
+            <a:extLst>
+              <a:ext uri="{FF2B5EF4-FFF2-40B4-BE49-F238E27FC236}">
+                <a16:creationId xmlns:a16="http://schemas.microsoft.com/office/drawing/2014/main" id="{3DED203C-1ECD-4C88-A96C-3871C04A6AAC}"/>
+              </a:ext>
+            </a:extLst>
+          </p:cNvPr>
+          <p:cNvPicPr>
+            <a:picLocks noChangeAspect="1" noChangeArrowheads="1"/>
+          </p:cNvPicPr>
+          <p:nvPr/>
+        </p:nvPicPr>
+        <p:blipFill>
+          <a:blip r:embed="rId9">
+            <a:extLst>
+              <a:ext uri="{28A0092B-C50C-407E-A947-70E740481C1C}">
+                <a14:useLocalDpi xmlns:a14="http://schemas.microsoft.com/office/drawing/2010/main" val="0"/>
+              </a:ext>
+            </a:extLst>
+          </a:blip>
+          <a:srcRect/>
+          <a:stretch>
+            <a:fillRect/>
+          </a:stretch>
+        </p:blipFill>
+        <p:spPr bwMode="auto">
+          <a:xfrm rot="13265485">
+            <a:off x="657188" y="3286487"/>
+            <a:ext cx="2438400" cy="2438400"/>
+          </a:xfrm>
+          <a:prstGeom prst="rect">
+            <a:avLst/>
+          </a:prstGeom>
+          <a:noFill/>
+          <a:extLst>
+            <a:ext uri="{909E8E84-426E-40DD-AFC4-6F175D3DCCD1}">
+              <a14:hiddenFill xmlns:a14="http://schemas.microsoft.com/office/drawing/2010/main">
+                <a:solidFill>
+                  <a:srgbClr val="FFFFFF"/>
+                </a:solidFill>
+              </a14:hiddenFill>
+            </a:ext>
+          </a:extLst>
+        </p:spPr>
+      </p:pic>
+      <p:pic>
+        <p:nvPicPr>
+          <p:cNvPr id="5132" name="Picture 12">
+            <a:extLst>
+              <a:ext uri="{FF2B5EF4-FFF2-40B4-BE49-F238E27FC236}">
+                <a16:creationId xmlns:a16="http://schemas.microsoft.com/office/drawing/2014/main" id="{A48B6957-8E55-4C3C-A93B-CC4BDD0436A3}"/>
+              </a:ext>
+            </a:extLst>
+          </p:cNvPr>
+          <p:cNvPicPr>
+            <a:picLocks noChangeAspect="1" noChangeArrowheads="1"/>
+          </p:cNvPicPr>
+          <p:nvPr/>
+        </p:nvPicPr>
+        <p:blipFill>
+          <a:blip r:embed="rId9">
+            <a:extLst>
+              <a:ext uri="{28A0092B-C50C-407E-A947-70E740481C1C}">
+                <a14:useLocalDpi xmlns:a14="http://schemas.microsoft.com/office/drawing/2010/main" val="0"/>
+              </a:ext>
+            </a:extLst>
+          </a:blip>
+          <a:srcRect/>
+          <a:stretch>
+            <a:fillRect/>
+          </a:stretch>
+        </p:blipFill>
+        <p:spPr bwMode="auto">
+          <a:xfrm rot="13214324">
+            <a:off x="1590601" y="1515664"/>
+            <a:ext cx="2438400" cy="2438400"/>
+          </a:xfrm>
+          <a:prstGeom prst="rect">
+            <a:avLst/>
+          </a:prstGeom>
+          <a:noFill/>
+          <a:extLst>
+            <a:ext uri="{909E8E84-426E-40DD-AFC4-6F175D3DCCD1}">
+              <a14:hiddenFill xmlns:a14="http://schemas.microsoft.com/office/drawing/2010/main">
+                <a:solidFill>
+                  <a:srgbClr val="FFFFFF"/>
+                </a:solidFill>
+              </a14:hiddenFill>
+            </a:ext>
+          </a:extLst>
+        </p:spPr>
+      </p:pic>
+      <p:pic>
+        <p:nvPicPr>
+          <p:cNvPr id="5136" name="Picture 16">
+            <a:extLst>
+              <a:ext uri="{FF2B5EF4-FFF2-40B4-BE49-F238E27FC236}">
+                <a16:creationId xmlns:a16="http://schemas.microsoft.com/office/drawing/2014/main" id="{8F2049D7-BAF1-491A-8313-9DAAC241AFB7}"/>
+              </a:ext>
+            </a:extLst>
+          </p:cNvPr>
+          <p:cNvPicPr>
+            <a:picLocks noChangeAspect="1" noChangeArrowheads="1"/>
+          </p:cNvPicPr>
+          <p:nvPr/>
+        </p:nvPicPr>
+        <p:blipFill>
+          <a:blip r:embed="rId9">
+            <a:extLst>
+              <a:ext uri="{28A0092B-C50C-407E-A947-70E740481C1C}">
+                <a14:useLocalDpi xmlns:a14="http://schemas.microsoft.com/office/drawing/2010/main" val="0"/>
+              </a:ext>
+            </a:extLst>
+          </a:blip>
+          <a:srcRect/>
+          <a:stretch>
+            <a:fillRect/>
+          </a:stretch>
+        </p:blipFill>
+        <p:spPr bwMode="auto">
+          <a:xfrm rot="13135336">
+            <a:off x="2924527" y="4918048"/>
+            <a:ext cx="2438400" cy="2438400"/>
+          </a:xfrm>
+          <a:prstGeom prst="rect">
+            <a:avLst/>
+          </a:prstGeom>
+          <a:noFill/>
+          <a:extLst>
+            <a:ext uri="{909E8E84-426E-40DD-AFC4-6F175D3DCCD1}">
+              <a14:hiddenFill xmlns:a14="http://schemas.microsoft.com/office/drawing/2010/main">
+                <a:solidFill>
+                  <a:srgbClr val="FFFFFF"/>
+                </a:solidFill>
+              </a14:hiddenFill>
+            </a:ext>
+          </a:extLst>
+        </p:spPr>
+      </p:pic>
+      <p:pic>
+        <p:nvPicPr>
+          <p:cNvPr id="5138" name="Picture 18">
+            <a:extLst>
+              <a:ext uri="{FF2B5EF4-FFF2-40B4-BE49-F238E27FC236}">
+                <a16:creationId xmlns:a16="http://schemas.microsoft.com/office/drawing/2014/main" id="{8E15E7A8-A05A-4966-8A1C-9B0133383A61}"/>
+              </a:ext>
+            </a:extLst>
+          </p:cNvPr>
+          <p:cNvPicPr>
+            <a:picLocks noChangeAspect="1" noChangeArrowheads="1"/>
+          </p:cNvPicPr>
+          <p:nvPr/>
+        </p:nvPicPr>
+        <p:blipFill>
+          <a:blip r:embed="rId10">
+            <a:extLst>
+              <a:ext uri="{28A0092B-C50C-407E-A947-70E740481C1C}">
+                <a14:useLocalDpi xmlns:a14="http://schemas.microsoft.com/office/drawing/2010/main" val="0"/>
+              </a:ext>
+            </a:extLst>
+          </a:blip>
+          <a:srcRect/>
+          <a:stretch>
+            <a:fillRect/>
+          </a:stretch>
+        </p:blipFill>
+        <p:spPr bwMode="auto">
+          <a:xfrm rot="13439314">
+            <a:off x="3601289" y="3057820"/>
+            <a:ext cx="2438400" cy="2438400"/>
+          </a:xfrm>
+          <a:prstGeom prst="rect">
+            <a:avLst/>
+          </a:prstGeom>
+          <a:noFill/>
+          <a:extLst>
+            <a:ext uri="{909E8E84-426E-40DD-AFC4-6F175D3DCCD1}">
+              <a14:hiddenFill xmlns:a14="http://schemas.microsoft.com/office/drawing/2010/main">
+                <a:solidFill>
+                  <a:srgbClr val="FFFFFF"/>
+                </a:solidFill>
+              </a14:hiddenFill>
+            </a:ext>
+          </a:extLst>
+        </p:spPr>
+      </p:pic>
+      <p:pic>
+        <p:nvPicPr>
+          <p:cNvPr id="5140" name="Picture 20">
+            <a:extLst>
+              <a:ext uri="{FF2B5EF4-FFF2-40B4-BE49-F238E27FC236}">
+                <a16:creationId xmlns:a16="http://schemas.microsoft.com/office/drawing/2014/main" id="{7D20C9A1-C64C-4FC4-A768-E06B82DAB7A5}"/>
+              </a:ext>
+            </a:extLst>
+          </p:cNvPr>
+          <p:cNvPicPr>
+            <a:picLocks noChangeAspect="1" noChangeArrowheads="1"/>
+          </p:cNvPicPr>
+          <p:nvPr/>
+        </p:nvPicPr>
+        <p:blipFill>
+          <a:blip r:embed="rId10">
+            <a:extLst>
+              <a:ext uri="{28A0092B-C50C-407E-A947-70E740481C1C}">
+                <a14:useLocalDpi xmlns:a14="http://schemas.microsoft.com/office/drawing/2010/main" val="0"/>
+              </a:ext>
+            </a:extLst>
+          </a:blip>
+          <a:srcRect/>
+          <a:stretch>
+            <a:fillRect/>
+          </a:stretch>
+        </p:blipFill>
+        <p:spPr bwMode="auto">
+          <a:xfrm rot="13002814">
+            <a:off x="1421597" y="4323962"/>
+            <a:ext cx="2438400" cy="2438400"/>
+          </a:xfrm>
+          <a:prstGeom prst="rect">
+            <a:avLst/>
+          </a:prstGeom>
+          <a:noFill/>
+          <a:extLst>
+            <a:ext uri="{909E8E84-426E-40DD-AFC4-6F175D3DCCD1}">
+              <a14:hiddenFill xmlns:a14="http://schemas.microsoft.com/office/drawing/2010/main">
+                <a:solidFill>
+                  <a:srgbClr val="FFFFFF"/>
+                </a:solidFill>
+              </a14:hiddenFill>
+            </a:ext>
+          </a:extLst>
+        </p:spPr>
+      </p:pic>
+      <p:pic>
+        <p:nvPicPr>
+          <p:cNvPr id="5142" name="Picture 22">
+            <a:extLst>
+              <a:ext uri="{FF2B5EF4-FFF2-40B4-BE49-F238E27FC236}">
+                <a16:creationId xmlns:a16="http://schemas.microsoft.com/office/drawing/2014/main" id="{94893914-5A61-443C-9D64-4A73C77B2F60}"/>
+              </a:ext>
+            </a:extLst>
+          </p:cNvPr>
+          <p:cNvPicPr>
+            <a:picLocks noChangeAspect="1" noChangeArrowheads="1"/>
+          </p:cNvPicPr>
+          <p:nvPr/>
+        </p:nvPicPr>
+        <p:blipFill>
+          <a:blip r:embed="rId10">
+            <a:extLst>
+              <a:ext uri="{28A0092B-C50C-407E-A947-70E740481C1C}">
+                <a14:useLocalDpi xmlns:a14="http://schemas.microsoft.com/office/drawing/2010/main" val="0"/>
+              </a:ext>
+            </a:extLst>
+          </a:blip>
+          <a:srcRect/>
+          <a:stretch>
+            <a:fillRect/>
+          </a:stretch>
+        </p:blipFill>
+        <p:spPr bwMode="auto">
+          <a:xfrm rot="13477934">
+            <a:off x="-516856" y="4011437"/>
+            <a:ext cx="2438400" cy="2438400"/>
+          </a:xfrm>
+          <a:prstGeom prst="rect">
+            <a:avLst/>
+          </a:prstGeom>
+          <a:noFill/>
+          <a:extLst>
+            <a:ext uri="{909E8E84-426E-40DD-AFC4-6F175D3DCCD1}">
+              <a14:hiddenFill xmlns:a14="http://schemas.microsoft.com/office/drawing/2010/main">
+                <a:solidFill>
+                  <a:srgbClr val="FFFFFF"/>
+                </a:solidFill>
+              </a14:hiddenFill>
+            </a:ext>
+          </a:extLst>
+        </p:spPr>
+      </p:pic>
     </p:spTree>
     <p:extLst>
       <p:ext uri="{BB962C8B-B14F-4D97-AF65-F5344CB8AC3E}">
@@ -14139,6 +14920,18 @@
   <p:clrMapOvr>
     <a:masterClrMapping/>
   </p:clrMapOvr>
+  <mc:AlternateContent xmlns:mc="http://schemas.openxmlformats.org/markup-compatibility/2006">
+    <mc:Choice xmlns:p15="http://schemas.microsoft.com/office/powerpoint/2012/main" Requires="p15">
+      <p:transition xmlns:p14="http://schemas.microsoft.com/office/powerpoint/2010/main" spd="slow" p14:dur="1250">
+        <p15:prstTrans prst="airplane"/>
+      </p:transition>
+    </mc:Choice>
+    <mc:Fallback>
+      <p:transition spd="slow">
+        <p:fade/>
+      </p:transition>
+    </mc:Fallback>
+  </mc:AlternateContent>
 </p:sld>
 </file>
 
@@ -14382,6 +15175,194 @@
           </a:graphicData>
         </a:graphic>
       </p:graphicFrame>
+      <p:pic>
+        <p:nvPicPr>
+          <p:cNvPr id="4098" name="Picture 2">
+            <a:extLst>
+              <a:ext uri="{FF2B5EF4-FFF2-40B4-BE49-F238E27FC236}">
+                <a16:creationId xmlns:a16="http://schemas.microsoft.com/office/drawing/2014/main" id="{C9727A8E-9EAD-4BE7-8B56-7192D9CA3082}"/>
+              </a:ext>
+            </a:extLst>
+          </p:cNvPr>
+          <p:cNvPicPr>
+            <a:picLocks noChangeAspect="1" noChangeArrowheads="1"/>
+          </p:cNvPicPr>
+          <p:nvPr/>
+        </p:nvPicPr>
+        <p:blipFill>
+          <a:blip r:embed="rId7">
+            <a:extLst>
+              <a:ext uri="{28A0092B-C50C-407E-A947-70E740481C1C}">
+                <a14:useLocalDpi xmlns:a14="http://schemas.microsoft.com/office/drawing/2010/main" val="0"/>
+              </a:ext>
+            </a:extLst>
+          </a:blip>
+          <a:srcRect/>
+          <a:stretch>
+            <a:fillRect/>
+          </a:stretch>
+        </p:blipFill>
+        <p:spPr bwMode="auto">
+          <a:xfrm rot="4277611">
+            <a:off x="370470" y="-1456252"/>
+            <a:ext cx="4516740" cy="4516740"/>
+          </a:xfrm>
+          <a:prstGeom prst="rect">
+            <a:avLst/>
+          </a:prstGeom>
+          <a:noFill/>
+          <a:extLst>
+            <a:ext uri="{909E8E84-426E-40DD-AFC4-6F175D3DCCD1}">
+              <a14:hiddenFill xmlns:a14="http://schemas.microsoft.com/office/drawing/2010/main">
+                <a:solidFill>
+                  <a:srgbClr val="FFFFFF"/>
+                </a:solidFill>
+              </a14:hiddenFill>
+            </a:ext>
+          </a:extLst>
+        </p:spPr>
+      </p:pic>
+      <p:pic>
+        <p:nvPicPr>
+          <p:cNvPr id="4102" name="Picture 6">
+            <a:extLst>
+              <a:ext uri="{FF2B5EF4-FFF2-40B4-BE49-F238E27FC236}">
+                <a16:creationId xmlns:a16="http://schemas.microsoft.com/office/drawing/2014/main" id="{9C68E47B-B714-49AD-8858-E899517ABFF7}"/>
+              </a:ext>
+            </a:extLst>
+          </p:cNvPr>
+          <p:cNvPicPr>
+            <a:picLocks noChangeAspect="1" noChangeArrowheads="1"/>
+          </p:cNvPicPr>
+          <p:nvPr/>
+        </p:nvPicPr>
+        <p:blipFill>
+          <a:blip r:embed="rId7">
+            <a:extLst>
+              <a:ext uri="{28A0092B-C50C-407E-A947-70E740481C1C}">
+                <a14:useLocalDpi xmlns:a14="http://schemas.microsoft.com/office/drawing/2010/main" val="0"/>
+              </a:ext>
+            </a:extLst>
+          </a:blip>
+          <a:srcRect/>
+          <a:stretch>
+            <a:fillRect/>
+          </a:stretch>
+        </p:blipFill>
+        <p:spPr bwMode="auto">
+          <a:xfrm>
+            <a:off x="9451706" y="-1978294"/>
+            <a:ext cx="3956587" cy="3956587"/>
+          </a:xfrm>
+          <a:prstGeom prst="rect">
+            <a:avLst/>
+          </a:prstGeom>
+          <a:noFill/>
+          <a:extLst>
+            <a:ext uri="{909E8E84-426E-40DD-AFC4-6F175D3DCCD1}">
+              <a14:hiddenFill xmlns:a14="http://schemas.microsoft.com/office/drawing/2010/main">
+                <a:solidFill>
+                  <a:srgbClr val="FFFFFF"/>
+                </a:solidFill>
+              </a14:hiddenFill>
+            </a:ext>
+          </a:extLst>
+        </p:spPr>
+      </p:pic>
+      <p:pic>
+        <p:nvPicPr>
+          <p:cNvPr id="4106" name="Picture 10">
+            <a:extLst>
+              <a:ext uri="{FF2B5EF4-FFF2-40B4-BE49-F238E27FC236}">
+                <a16:creationId xmlns:a16="http://schemas.microsoft.com/office/drawing/2014/main" id="{B20D2136-477E-4F63-9715-5A3060355C34}"/>
+              </a:ext>
+            </a:extLst>
+          </p:cNvPr>
+          <p:cNvPicPr>
+            <a:picLocks noChangeAspect="1" noChangeArrowheads="1"/>
+          </p:cNvPicPr>
+          <p:nvPr/>
+        </p:nvPicPr>
+        <p:blipFill>
+          <a:blip r:embed="rId7">
+            <a:extLst>
+              <a:ext uri="{28A0092B-C50C-407E-A947-70E740481C1C}">
+                <a14:useLocalDpi xmlns:a14="http://schemas.microsoft.com/office/drawing/2010/main" val="0"/>
+              </a:ext>
+            </a:extLst>
+          </a:blip>
+          <a:srcRect/>
+          <a:stretch>
+            <a:fillRect/>
+          </a:stretch>
+        </p:blipFill>
+        <p:spPr bwMode="auto">
+          <a:xfrm rot="17058644">
+            <a:off x="-34523" y="3078384"/>
+            <a:ext cx="4366726" cy="4366726"/>
+          </a:xfrm>
+          <a:prstGeom prst="rect">
+            <a:avLst/>
+          </a:prstGeom>
+          <a:noFill/>
+          <a:extLst>
+            <a:ext uri="{909E8E84-426E-40DD-AFC4-6F175D3DCCD1}">
+              <a14:hiddenFill xmlns:a14="http://schemas.microsoft.com/office/drawing/2010/main">
+                <a:solidFill>
+                  <a:srgbClr val="FFFFFF"/>
+                </a:solidFill>
+              </a14:hiddenFill>
+            </a:ext>
+          </a:extLst>
+        </p:spPr>
+      </p:pic>
+      <p:pic>
+        <p:nvPicPr>
+          <p:cNvPr id="4110" name="Picture 14">
+            <a:extLst>
+              <a:ext uri="{FF2B5EF4-FFF2-40B4-BE49-F238E27FC236}">
+                <a16:creationId xmlns:a16="http://schemas.microsoft.com/office/drawing/2014/main" id="{D6C02CD6-273D-414D-B4F6-67B82FC9242D}"/>
+              </a:ext>
+            </a:extLst>
+          </p:cNvPr>
+          <p:cNvPicPr>
+            <a:picLocks noChangeAspect="1" noChangeArrowheads="1"/>
+          </p:cNvPicPr>
+          <p:nvPr/>
+        </p:nvPicPr>
+        <p:blipFill>
+          <a:blip r:embed="rId7">
+            <a:extLst>
+              <a:ext uri="{28A0092B-C50C-407E-A947-70E740481C1C}">
+                <a14:useLocalDpi xmlns:a14="http://schemas.microsoft.com/office/drawing/2010/main" val="0"/>
+              </a:ext>
+            </a:extLst>
+          </a:blip>
+          <a:srcRect/>
+          <a:stretch>
+            <a:fillRect/>
+          </a:stretch>
+        </p:blipFill>
+        <p:spPr bwMode="auto">
+          <a:xfrm rot="14121229">
+            <a:off x="10042967" y="5070475"/>
+            <a:ext cx="2438400" cy="2438400"/>
+          </a:xfrm>
+          <a:prstGeom prst="rect">
+            <a:avLst/>
+          </a:prstGeom>
+          <a:noFill/>
+          <a:extLst>
+            <a:ext uri="{909E8E84-426E-40DD-AFC4-6F175D3DCCD1}">
+              <a14:hiddenFill xmlns:a14="http://schemas.microsoft.com/office/drawing/2010/main">
+                <a:solidFill>
+                  <a:srgbClr val="FFFFFF"/>
+                </a:solidFill>
+              </a14:hiddenFill>
+            </a:ext>
+          </a:extLst>
+        </p:spPr>
+      </p:pic>
     </p:spTree>
     <p:extLst>
       <p:ext uri="{BB962C8B-B14F-4D97-AF65-F5344CB8AC3E}">
@@ -14392,6 +15373,18 @@
   <p:clrMapOvr>
     <a:masterClrMapping/>
   </p:clrMapOvr>
+  <mc:AlternateContent xmlns:mc="http://schemas.openxmlformats.org/markup-compatibility/2006">
+    <mc:Choice xmlns:p15="http://schemas.microsoft.com/office/powerpoint/2012/main" Requires="p15">
+      <p:transition xmlns:p14="http://schemas.microsoft.com/office/powerpoint/2010/main" spd="slow" p14:dur="2000">
+        <p15:prstTrans prst="fracture"/>
+      </p:transition>
+    </mc:Choice>
+    <mc:Fallback>
+      <p:transition spd="slow">
+        <p:fade/>
+      </p:transition>
+    </mc:Fallback>
+  </mc:AlternateContent>
 </p:sld>
 </file>
 
@@ -14866,7 +15859,7 @@
           </a:p>
           <a:p>
             <a:r>
-              <a:rPr lang="nl-NL" sz="1700" dirty="0">
+              <a:rPr lang="nl-NL" sz="1100" dirty="0">
                 <a:latin typeface="Algerian" panose="04020705040A02060702" pitchFamily="82" charset="0"/>
               </a:rPr>
               <a:t>En Corona…</a:t>
@@ -14874,6 +15867,100 @@
           </a:p>
         </p:txBody>
       </p:sp>
+      <p:pic>
+        <p:nvPicPr>
+          <p:cNvPr id="2050" name="Picture 2">
+            <a:extLst>
+              <a:ext uri="{FF2B5EF4-FFF2-40B4-BE49-F238E27FC236}">
+                <a16:creationId xmlns:a16="http://schemas.microsoft.com/office/drawing/2014/main" id="{F2DC3E3B-5216-4558-8A42-4F778EC8B422}"/>
+              </a:ext>
+            </a:extLst>
+          </p:cNvPr>
+          <p:cNvPicPr>
+            <a:picLocks noChangeAspect="1" noChangeArrowheads="1"/>
+          </p:cNvPicPr>
+          <p:nvPr/>
+        </p:nvPicPr>
+        <p:blipFill>
+          <a:blip r:embed="rId3">
+            <a:extLst>
+              <a:ext uri="{28A0092B-C50C-407E-A947-70E740481C1C}">
+                <a14:useLocalDpi xmlns:a14="http://schemas.microsoft.com/office/drawing/2010/main" val="0"/>
+              </a:ext>
+            </a:extLst>
+          </a:blip>
+          <a:srcRect/>
+          <a:stretch>
+            <a:fillRect/>
+          </a:stretch>
+        </p:blipFill>
+        <p:spPr bwMode="auto">
+          <a:xfrm rot="13386356">
+            <a:off x="5651741" y="-2400670"/>
+            <a:ext cx="6858000" cy="6858000"/>
+          </a:xfrm>
+          <a:prstGeom prst="rect">
+            <a:avLst/>
+          </a:prstGeom>
+          <a:noFill/>
+          <a:extLst>
+            <a:ext uri="{909E8E84-426E-40DD-AFC4-6F175D3DCCD1}">
+              <a14:hiddenFill xmlns:a14="http://schemas.microsoft.com/office/drawing/2010/main">
+                <a:solidFill>
+                  <a:srgbClr val="FFFFFF"/>
+                </a:solidFill>
+              </a14:hiddenFill>
+            </a:ext>
+          </a:extLst>
+        </p:spPr>
+      </p:pic>
+      <p:pic>
+        <p:nvPicPr>
+          <p:cNvPr id="2052" name="Picture 4">
+            <a:extLst>
+              <a:ext uri="{FF2B5EF4-FFF2-40B4-BE49-F238E27FC236}">
+                <a16:creationId xmlns:a16="http://schemas.microsoft.com/office/drawing/2014/main" id="{D18E3513-6DF1-4AA5-B1E7-76B120CCBD9B}"/>
+              </a:ext>
+            </a:extLst>
+          </p:cNvPr>
+          <p:cNvPicPr>
+            <a:picLocks noChangeAspect="1" noChangeArrowheads="1"/>
+          </p:cNvPicPr>
+          <p:nvPr/>
+        </p:nvPicPr>
+        <p:blipFill>
+          <a:blip r:embed="rId3">
+            <a:extLst>
+              <a:ext uri="{28A0092B-C50C-407E-A947-70E740481C1C}">
+                <a14:useLocalDpi xmlns:a14="http://schemas.microsoft.com/office/drawing/2010/main" val="0"/>
+              </a:ext>
+            </a:extLst>
+          </a:blip>
+          <a:srcRect/>
+          <a:stretch>
+            <a:fillRect/>
+          </a:stretch>
+        </p:blipFill>
+        <p:spPr bwMode="auto">
+          <a:xfrm rot="13386356">
+            <a:off x="7471663" y="-2667000"/>
+            <a:ext cx="6858000" cy="6858000"/>
+          </a:xfrm>
+          <a:prstGeom prst="rect">
+            <a:avLst/>
+          </a:prstGeom>
+          <a:noFill/>
+          <a:extLst>
+            <a:ext uri="{909E8E84-426E-40DD-AFC4-6F175D3DCCD1}">
+              <a14:hiddenFill xmlns:a14="http://schemas.microsoft.com/office/drawing/2010/main">
+                <a:solidFill>
+                  <a:srgbClr val="FFFFFF"/>
+                </a:solidFill>
+              </a14:hiddenFill>
+            </a:ext>
+          </a:extLst>
+        </p:spPr>
+      </p:pic>
     </p:spTree>
     <p:extLst>
       <p:ext uri="{BB962C8B-B14F-4D97-AF65-F5344CB8AC3E}">
@@ -14884,6 +15971,18 @@
   <p:clrMapOvr>
     <a:overrideClrMapping bg1="dk1" tx1="lt1" bg2="dk2" tx2="lt2" accent1="accent1" accent2="accent2" accent3="accent3" accent4="accent4" accent5="accent5" accent6="accent6" hlink="hlink" folHlink="folHlink"/>
   </p:clrMapOvr>
+  <mc:AlternateContent xmlns:mc="http://schemas.openxmlformats.org/markup-compatibility/2006">
+    <mc:Choice xmlns:p14="http://schemas.microsoft.com/office/powerpoint/2010/main" Requires="p14">
+      <p:transition spd="slow" p14:dur="2500">
+        <p:checker/>
+      </p:transition>
+    </mc:Choice>
+    <mc:Fallback>
+      <p:transition spd="slow">
+        <p:checker/>
+      </p:transition>
+    </mc:Fallback>
+  </mc:AlternateContent>
 </p:sld>
 </file>
 
@@ -15012,6 +16111,7 @@
           </a:bodyPr>
           <a:lstStyle/>
           <a:p>
+            <a:pPr algn="ctr"/>
             <a:r>
               <a:rPr lang="en-US" sz="6600" kern="1200" dirty="0" err="1">
                 <a:solidFill>
@@ -15303,6 +16403,476 @@
           </a:fontRef>
         </p:style>
       </p:cxnSp>
+      <p:pic>
+        <p:nvPicPr>
+          <p:cNvPr id="3074" name="Picture 2">
+            <a:extLst>
+              <a:ext uri="{FF2B5EF4-FFF2-40B4-BE49-F238E27FC236}">
+                <a16:creationId xmlns:a16="http://schemas.microsoft.com/office/drawing/2014/main" id="{8807B954-A58E-4A1C-8BF1-E13191E94DCB}"/>
+              </a:ext>
+            </a:extLst>
+          </p:cNvPr>
+          <p:cNvPicPr>
+            <a:picLocks noChangeAspect="1" noChangeArrowheads="1"/>
+          </p:cNvPicPr>
+          <p:nvPr/>
+        </p:nvPicPr>
+        <p:blipFill>
+          <a:blip r:embed="rId2">
+            <a:extLst>
+              <a:ext uri="{28A0092B-C50C-407E-A947-70E740481C1C}">
+                <a14:useLocalDpi xmlns:a14="http://schemas.microsoft.com/office/drawing/2010/main" val="0"/>
+              </a:ext>
+            </a:extLst>
+          </a:blip>
+          <a:srcRect/>
+          <a:stretch>
+            <a:fillRect/>
+          </a:stretch>
+        </p:blipFill>
+        <p:spPr bwMode="auto">
+          <a:xfrm rot="7825252">
+            <a:off x="-135817" y="-409235"/>
+            <a:ext cx="2438400" cy="2438400"/>
+          </a:xfrm>
+          <a:prstGeom prst="rect">
+            <a:avLst/>
+          </a:prstGeom>
+          <a:noFill/>
+          <a:extLst>
+            <a:ext uri="{909E8E84-426E-40DD-AFC4-6F175D3DCCD1}">
+              <a14:hiddenFill xmlns:a14="http://schemas.microsoft.com/office/drawing/2010/main">
+                <a:solidFill>
+                  <a:srgbClr val="FFFFFF"/>
+                </a:solidFill>
+              </a14:hiddenFill>
+            </a:ext>
+          </a:extLst>
+        </p:spPr>
+      </p:pic>
+      <p:pic>
+        <p:nvPicPr>
+          <p:cNvPr id="3080" name="Picture 8">
+            <a:extLst>
+              <a:ext uri="{FF2B5EF4-FFF2-40B4-BE49-F238E27FC236}">
+                <a16:creationId xmlns:a16="http://schemas.microsoft.com/office/drawing/2014/main" id="{75FB5B97-BA7F-4E02-A00E-590B4B99D20C}"/>
+              </a:ext>
+            </a:extLst>
+          </p:cNvPr>
+          <p:cNvPicPr>
+            <a:picLocks noChangeAspect="1" noChangeArrowheads="1"/>
+          </p:cNvPicPr>
+          <p:nvPr/>
+        </p:nvPicPr>
+        <p:blipFill>
+          <a:blip r:embed="rId2">
+            <a:extLst>
+              <a:ext uri="{28A0092B-C50C-407E-A947-70E740481C1C}">
+                <a14:useLocalDpi xmlns:a14="http://schemas.microsoft.com/office/drawing/2010/main" val="0"/>
+              </a:ext>
+            </a:extLst>
+          </a:blip>
+          <a:srcRect/>
+          <a:stretch>
+            <a:fillRect/>
+          </a:stretch>
+        </p:blipFill>
+        <p:spPr bwMode="auto">
+          <a:xfrm rot="7825252">
+            <a:off x="1083383" y="-329861"/>
+            <a:ext cx="2438400" cy="2438400"/>
+          </a:xfrm>
+          <a:prstGeom prst="rect">
+            <a:avLst/>
+          </a:prstGeom>
+          <a:noFill/>
+          <a:extLst>
+            <a:ext uri="{909E8E84-426E-40DD-AFC4-6F175D3DCCD1}">
+              <a14:hiddenFill xmlns:a14="http://schemas.microsoft.com/office/drawing/2010/main">
+                <a:solidFill>
+                  <a:srgbClr val="FFFFFF"/>
+                </a:solidFill>
+              </a14:hiddenFill>
+            </a:ext>
+          </a:extLst>
+        </p:spPr>
+      </p:pic>
+      <p:pic>
+        <p:nvPicPr>
+          <p:cNvPr id="3084" name="Picture 12">
+            <a:extLst>
+              <a:ext uri="{FF2B5EF4-FFF2-40B4-BE49-F238E27FC236}">
+                <a16:creationId xmlns:a16="http://schemas.microsoft.com/office/drawing/2014/main" id="{CD9C4249-48BC-405F-98F0-F73AF734F0AF}"/>
+              </a:ext>
+            </a:extLst>
+          </p:cNvPr>
+          <p:cNvPicPr>
+            <a:picLocks noChangeAspect="1" noChangeArrowheads="1"/>
+          </p:cNvPicPr>
+          <p:nvPr/>
+        </p:nvPicPr>
+        <p:blipFill>
+          <a:blip r:embed="rId2">
+            <a:extLst>
+              <a:ext uri="{28A0092B-C50C-407E-A947-70E740481C1C}">
+                <a14:useLocalDpi xmlns:a14="http://schemas.microsoft.com/office/drawing/2010/main" val="0"/>
+              </a:ext>
+            </a:extLst>
+          </a:blip>
+          <a:srcRect/>
+          <a:stretch>
+            <a:fillRect/>
+          </a:stretch>
+        </p:blipFill>
+        <p:spPr bwMode="auto">
+          <a:xfrm rot="7825252">
+            <a:off x="2435933" y="-381338"/>
+            <a:ext cx="2438400" cy="2438400"/>
+          </a:xfrm>
+          <a:prstGeom prst="rect">
+            <a:avLst/>
+          </a:prstGeom>
+          <a:noFill/>
+          <a:extLst>
+            <a:ext uri="{909E8E84-426E-40DD-AFC4-6F175D3DCCD1}">
+              <a14:hiddenFill xmlns:a14="http://schemas.microsoft.com/office/drawing/2010/main">
+                <a:solidFill>
+                  <a:srgbClr val="FFFFFF"/>
+                </a:solidFill>
+              </a14:hiddenFill>
+            </a:ext>
+          </a:extLst>
+        </p:spPr>
+      </p:pic>
+      <p:pic>
+        <p:nvPicPr>
+          <p:cNvPr id="3086" name="Picture 14">
+            <a:extLst>
+              <a:ext uri="{FF2B5EF4-FFF2-40B4-BE49-F238E27FC236}">
+                <a16:creationId xmlns:a16="http://schemas.microsoft.com/office/drawing/2014/main" id="{06FF55FF-B882-403C-9B5A-CB3E17027DB4}"/>
+              </a:ext>
+            </a:extLst>
+          </p:cNvPr>
+          <p:cNvPicPr>
+            <a:picLocks noChangeAspect="1" noChangeArrowheads="1"/>
+          </p:cNvPicPr>
+          <p:nvPr/>
+        </p:nvPicPr>
+        <p:blipFill>
+          <a:blip r:embed="rId2">
+            <a:extLst>
+              <a:ext uri="{28A0092B-C50C-407E-A947-70E740481C1C}">
+                <a14:useLocalDpi xmlns:a14="http://schemas.microsoft.com/office/drawing/2010/main" val="0"/>
+              </a:ext>
+            </a:extLst>
+          </a:blip>
+          <a:srcRect/>
+          <a:stretch>
+            <a:fillRect/>
+          </a:stretch>
+        </p:blipFill>
+        <p:spPr bwMode="auto">
+          <a:xfrm rot="7825252">
+            <a:off x="3655133" y="-381338"/>
+            <a:ext cx="2438400" cy="2438400"/>
+          </a:xfrm>
+          <a:prstGeom prst="rect">
+            <a:avLst/>
+          </a:prstGeom>
+          <a:noFill/>
+          <a:extLst>
+            <a:ext uri="{909E8E84-426E-40DD-AFC4-6F175D3DCCD1}">
+              <a14:hiddenFill xmlns:a14="http://schemas.microsoft.com/office/drawing/2010/main">
+                <a:solidFill>
+                  <a:srgbClr val="FFFFFF"/>
+                </a:solidFill>
+              </a14:hiddenFill>
+            </a:ext>
+          </a:extLst>
+        </p:spPr>
+      </p:pic>
+      <p:pic>
+        <p:nvPicPr>
+          <p:cNvPr id="3090" name="Picture 18">
+            <a:extLst>
+              <a:ext uri="{FF2B5EF4-FFF2-40B4-BE49-F238E27FC236}">
+                <a16:creationId xmlns:a16="http://schemas.microsoft.com/office/drawing/2014/main" id="{B0C1C7E7-69B7-40DE-A122-138035584B3D}"/>
+              </a:ext>
+            </a:extLst>
+          </p:cNvPr>
+          <p:cNvPicPr>
+            <a:picLocks noChangeAspect="1" noChangeArrowheads="1"/>
+          </p:cNvPicPr>
+          <p:nvPr/>
+        </p:nvPicPr>
+        <p:blipFill>
+          <a:blip r:embed="rId2">
+            <a:extLst>
+              <a:ext uri="{28A0092B-C50C-407E-A947-70E740481C1C}">
+                <a14:useLocalDpi xmlns:a14="http://schemas.microsoft.com/office/drawing/2010/main" val="0"/>
+              </a:ext>
+            </a:extLst>
+          </a:blip>
+          <a:srcRect/>
+          <a:stretch>
+            <a:fillRect/>
+          </a:stretch>
+        </p:blipFill>
+        <p:spPr bwMode="auto">
+          <a:xfrm rot="7825252">
+            <a:off x="4874333" y="-460712"/>
+            <a:ext cx="2438400" cy="2438400"/>
+          </a:xfrm>
+          <a:prstGeom prst="rect">
+            <a:avLst/>
+          </a:prstGeom>
+          <a:noFill/>
+          <a:extLst>
+            <a:ext uri="{909E8E84-426E-40DD-AFC4-6F175D3DCCD1}">
+              <a14:hiddenFill xmlns:a14="http://schemas.microsoft.com/office/drawing/2010/main">
+                <a:solidFill>
+                  <a:srgbClr val="FFFFFF"/>
+                </a:solidFill>
+              </a14:hiddenFill>
+            </a:ext>
+          </a:extLst>
+        </p:spPr>
+      </p:pic>
+      <p:pic>
+        <p:nvPicPr>
+          <p:cNvPr id="3108" name="Picture 36">
+            <a:extLst>
+              <a:ext uri="{FF2B5EF4-FFF2-40B4-BE49-F238E27FC236}">
+                <a16:creationId xmlns:a16="http://schemas.microsoft.com/office/drawing/2014/main" id="{5B08DC37-6C35-45D8-920B-DB1DCE083AEE}"/>
+              </a:ext>
+            </a:extLst>
+          </p:cNvPr>
+          <p:cNvPicPr>
+            <a:picLocks noChangeAspect="1" noChangeArrowheads="1"/>
+          </p:cNvPicPr>
+          <p:nvPr/>
+        </p:nvPicPr>
+        <p:blipFill>
+          <a:blip r:embed="rId3">
+            <a:extLst>
+              <a:ext uri="{28A0092B-C50C-407E-A947-70E740481C1C}">
+                <a14:useLocalDpi xmlns:a14="http://schemas.microsoft.com/office/drawing/2010/main" val="0"/>
+              </a:ext>
+            </a:extLst>
+          </a:blip>
+          <a:srcRect/>
+          <a:stretch>
+            <a:fillRect/>
+          </a:stretch>
+        </p:blipFill>
+        <p:spPr bwMode="auto">
+          <a:xfrm rot="19106259">
+            <a:off x="4383915" y="3632201"/>
+            <a:ext cx="3657600" cy="3657600"/>
+          </a:xfrm>
+          <a:prstGeom prst="rect">
+            <a:avLst/>
+          </a:prstGeom>
+          <a:noFill/>
+          <a:extLst>
+            <a:ext uri="{909E8E84-426E-40DD-AFC4-6F175D3DCCD1}">
+              <a14:hiddenFill xmlns:a14="http://schemas.microsoft.com/office/drawing/2010/main">
+                <a:solidFill>
+                  <a:srgbClr val="FFFFFF"/>
+                </a:solidFill>
+              </a14:hiddenFill>
+            </a:ext>
+          </a:extLst>
+        </p:spPr>
+      </p:pic>
+      <p:pic>
+        <p:nvPicPr>
+          <p:cNvPr id="3112" name="Picture 40">
+            <a:extLst>
+              <a:ext uri="{FF2B5EF4-FFF2-40B4-BE49-F238E27FC236}">
+                <a16:creationId xmlns:a16="http://schemas.microsoft.com/office/drawing/2014/main" id="{F903A91C-E8E9-4559-AFAE-5C945D9E6554}"/>
+              </a:ext>
+            </a:extLst>
+          </p:cNvPr>
+          <p:cNvPicPr>
+            <a:picLocks noChangeAspect="1" noChangeArrowheads="1"/>
+          </p:cNvPicPr>
+          <p:nvPr/>
+        </p:nvPicPr>
+        <p:blipFill>
+          <a:blip r:embed="rId3">
+            <a:extLst>
+              <a:ext uri="{28A0092B-C50C-407E-A947-70E740481C1C}">
+                <a14:useLocalDpi xmlns:a14="http://schemas.microsoft.com/office/drawing/2010/main" val="0"/>
+              </a:ext>
+            </a:extLst>
+          </a:blip>
+          <a:srcRect/>
+          <a:stretch>
+            <a:fillRect/>
+          </a:stretch>
+        </p:blipFill>
+        <p:spPr bwMode="auto">
+          <a:xfrm rot="19106259">
+            <a:off x="5756243" y="3678238"/>
+            <a:ext cx="3657600" cy="3657600"/>
+          </a:xfrm>
+          <a:prstGeom prst="rect">
+            <a:avLst/>
+          </a:prstGeom>
+          <a:noFill/>
+          <a:extLst>
+            <a:ext uri="{909E8E84-426E-40DD-AFC4-6F175D3DCCD1}">
+              <a14:hiddenFill xmlns:a14="http://schemas.microsoft.com/office/drawing/2010/main">
+                <a:solidFill>
+                  <a:srgbClr val="FFFFFF"/>
+                </a:solidFill>
+              </a14:hiddenFill>
+            </a:ext>
+          </a:extLst>
+        </p:spPr>
+      </p:pic>
+      <p:pic>
+        <p:nvPicPr>
+          <p:cNvPr id="3118" name="Picture 46">
+            <a:extLst>
+              <a:ext uri="{FF2B5EF4-FFF2-40B4-BE49-F238E27FC236}">
+                <a16:creationId xmlns:a16="http://schemas.microsoft.com/office/drawing/2014/main" id="{4E33B665-F383-4503-A8AC-CD2163CAE5EB}"/>
+              </a:ext>
+            </a:extLst>
+          </p:cNvPr>
+          <p:cNvPicPr>
+            <a:picLocks noChangeAspect="1" noChangeArrowheads="1"/>
+          </p:cNvPicPr>
+          <p:nvPr/>
+        </p:nvPicPr>
+        <p:blipFill>
+          <a:blip r:embed="rId3">
+            <a:extLst>
+              <a:ext uri="{28A0092B-C50C-407E-A947-70E740481C1C}">
+                <a14:useLocalDpi xmlns:a14="http://schemas.microsoft.com/office/drawing/2010/main" val="0"/>
+              </a:ext>
+            </a:extLst>
+          </a:blip>
+          <a:srcRect/>
+          <a:stretch>
+            <a:fillRect/>
+          </a:stretch>
+        </p:blipFill>
+        <p:spPr bwMode="auto">
+          <a:xfrm rot="19106259">
+            <a:off x="7114394" y="3697723"/>
+            <a:ext cx="3657600" cy="3657600"/>
+          </a:xfrm>
+          <a:prstGeom prst="rect">
+            <a:avLst/>
+          </a:prstGeom>
+          <a:noFill/>
+          <a:extLst>
+            <a:ext uri="{909E8E84-426E-40DD-AFC4-6F175D3DCCD1}">
+              <a14:hiddenFill xmlns:a14="http://schemas.microsoft.com/office/drawing/2010/main">
+                <a:solidFill>
+                  <a:srgbClr val="FFFFFF"/>
+                </a:solidFill>
+              </a14:hiddenFill>
+            </a:ext>
+          </a:extLst>
+        </p:spPr>
+      </p:pic>
+      <p:pic>
+        <p:nvPicPr>
+          <p:cNvPr id="3128" name="Picture 56">
+            <a:extLst>
+              <a:ext uri="{FF2B5EF4-FFF2-40B4-BE49-F238E27FC236}">
+                <a16:creationId xmlns:a16="http://schemas.microsoft.com/office/drawing/2014/main" id="{C8A96F6D-842B-40D7-A7AF-25FD4FD4C63E}"/>
+              </a:ext>
+            </a:extLst>
+          </p:cNvPr>
+          <p:cNvPicPr>
+            <a:picLocks noChangeAspect="1" noChangeArrowheads="1"/>
+          </p:cNvPicPr>
+          <p:nvPr/>
+        </p:nvPicPr>
+        <p:blipFill>
+          <a:blip r:embed="rId3">
+            <a:extLst>
+              <a:ext uri="{28A0092B-C50C-407E-A947-70E740481C1C}">
+                <a14:useLocalDpi xmlns:a14="http://schemas.microsoft.com/office/drawing/2010/main" val="0"/>
+              </a:ext>
+            </a:extLst>
+          </a:blip>
+          <a:srcRect/>
+          <a:stretch>
+            <a:fillRect/>
+          </a:stretch>
+        </p:blipFill>
+        <p:spPr bwMode="auto">
+          <a:xfrm rot="19106259">
+            <a:off x="8446155" y="3740788"/>
+            <a:ext cx="3657600" cy="3657600"/>
+          </a:xfrm>
+          <a:prstGeom prst="rect">
+            <a:avLst/>
+          </a:prstGeom>
+          <a:noFill/>
+          <a:extLst>
+            <a:ext uri="{909E8E84-426E-40DD-AFC4-6F175D3DCCD1}">
+              <a14:hiddenFill xmlns:a14="http://schemas.microsoft.com/office/drawing/2010/main">
+                <a:solidFill>
+                  <a:srgbClr val="FFFFFF"/>
+                </a:solidFill>
+              </a14:hiddenFill>
+            </a:ext>
+          </a:extLst>
+        </p:spPr>
+      </p:pic>
+      <p:pic>
+        <p:nvPicPr>
+          <p:cNvPr id="3134" name="Picture 62">
+            <a:extLst>
+              <a:ext uri="{FF2B5EF4-FFF2-40B4-BE49-F238E27FC236}">
+                <a16:creationId xmlns:a16="http://schemas.microsoft.com/office/drawing/2014/main" id="{2C4FEBF2-D135-4BF6-8255-6B2D84D1A858}"/>
+              </a:ext>
+            </a:extLst>
+          </p:cNvPr>
+          <p:cNvPicPr>
+            <a:picLocks noChangeAspect="1" noChangeArrowheads="1"/>
+          </p:cNvPicPr>
+          <p:nvPr/>
+        </p:nvPicPr>
+        <p:blipFill>
+          <a:blip r:embed="rId3">
+            <a:extLst>
+              <a:ext uri="{28A0092B-C50C-407E-A947-70E740481C1C}">
+                <a14:useLocalDpi xmlns:a14="http://schemas.microsoft.com/office/drawing/2010/main" val="0"/>
+              </a:ext>
+            </a:extLst>
+          </a:blip>
+          <a:srcRect/>
+          <a:stretch>
+            <a:fillRect/>
+          </a:stretch>
+        </p:blipFill>
+        <p:spPr bwMode="auto">
+          <a:xfrm rot="19106259">
+            <a:off x="9777916" y="3760273"/>
+            <a:ext cx="3657600" cy="3657600"/>
+          </a:xfrm>
+          <a:prstGeom prst="rect">
+            <a:avLst/>
+          </a:prstGeom>
+          <a:noFill/>
+          <a:extLst>
+            <a:ext uri="{909E8E84-426E-40DD-AFC4-6F175D3DCCD1}">
+              <a14:hiddenFill xmlns:a14="http://schemas.microsoft.com/office/drawing/2010/main">
+                <a:solidFill>
+                  <a:srgbClr val="FFFFFF"/>
+                </a:solidFill>
+              </a14:hiddenFill>
+            </a:ext>
+          </a:extLst>
+        </p:spPr>
+      </p:pic>
     </p:spTree>
     <p:extLst>
       <p:ext uri="{BB962C8B-B14F-4D97-AF65-F5344CB8AC3E}">
@@ -15313,6 +16883,18 @@
   <p:clrMapOvr>
     <a:masterClrMapping/>
   </p:clrMapOvr>
+  <mc:AlternateContent xmlns:mc="http://schemas.openxmlformats.org/markup-compatibility/2006">
+    <mc:Choice xmlns:p14="http://schemas.microsoft.com/office/powerpoint/2010/main" Requires="p14">
+      <p:transition spd="slow" p14:dur="3000">
+        <p14:shred/>
+      </p:transition>
+    </mc:Choice>
+    <mc:Fallback>
+      <p:transition spd="slow">
+        <p:fade/>
+      </p:transition>
+    </mc:Fallback>
+  </mc:AlternateContent>
 </p:sld>
 </file>
 
@@ -15470,25 +17052,26 @@
         </p:nvSpPr>
         <p:spPr>
           <a:xfrm>
-            <a:off x="1524000" y="1122362"/>
+            <a:off x="1524000" y="4235951"/>
             <a:ext cx="9144000" cy="2900518"/>
           </a:xfrm>
         </p:spPr>
         <p:txBody>
           <a:bodyPr vert="horz" lIns="91440" tIns="45720" rIns="91440" bIns="45720" rtlCol="0" anchor="b">
-            <a:normAutofit/>
+            <a:normAutofit fontScale="90000"/>
           </a:bodyPr>
           <a:lstStyle/>
           <a:p>
             <a:pPr algn="ctr"/>
             <a:r>
-              <a:rPr lang="en-US" sz="6000" dirty="0" err="1">
+              <a:rPr lang="nl-NL" sz="2800" b="0" i="0" dirty="0">
                 <a:solidFill>
-                  <a:srgbClr val="FFFFFF"/>
+                  <a:srgbClr val="C9D1D9"/>
                 </a:solidFill>
-                <a:latin typeface="Algerian" panose="04020705040A02060702" pitchFamily="82" charset="0"/>
+                <a:effectLst/>
+                <a:latin typeface="-apple-system"/>
               </a:rPr>
-              <a:t>Einde</a:t>
+              <a:t>⠀⠀⠀⠀⠀⠀⠀⠀⠀⠀⠀⠀⠀⠀⣀⣀⣀⣠⣤⣤⣄⣀⣀⣀⡀⠀⠀⠀⠀⠀⠀⠀⠀⠀⠀⠀⠀⠀⠀⠀ ⠀⠀⠀⠀⠀⠀⠀⠀⠀⣀⠤⠖⠊⠉⠁⠀⠀⠀⠀⠀⠀⠀⠀⠈⠉⠙⠲⢤⡀⠀⠀⠀⠀⠀⠀⠀⠀⠀⠀⠀ ⠀⠀⠀⠀⠀⠀⠀⡤⠊⠁⠀⠀⠀⠀⠀⠀⠀⠀⠀⠀⠀⠀⠀⠀⠀⠀⠀⠀⠈⢦⡀⠀⠀⠀⠀⠀⠀⠀⠀⠀ ⠀⠀⠀⠀⠀⠀⡜⠀⠀⠀⠀⠀⠀⢀⡀⠀⠀⠀⠀⠀⠀⠀⠀⠀⢢⠀⠀⠀⠀⠀⢳⠀⠀⠀⠀⠀⠀⠀⠀⠀ ⠀⠀⠀⠀⠀⣸⠁⠀⠀⠀⠀⠀⠀⠀⠱⡀⠀⠀⠀⠀⠀⠀⠀⡀⠈⠀⡀⠀⠀⠀⠈⡇⠀⠀⠀⠀⠀⠀⠀⠀ ⠀⠀⠀⠀⠀⡏⠀⠀⠀⠀⠀⠀⠀⠀⡰⠁⠀⠀⠀⠀⠀⠀⠀⠘⡆⡜⠁⠀⠀⠀⠀⢧⡀⠀⠀⠀⠀⠀⠀⠀ ⠀⠀⠀⠀⠀⡇⠀⠀⠀⠀⠀⠀⠀⠸⡀⠀⠀⠀⠀⠀⣀⣤⡂⠀⠇⠱⠀⡀⠀⠀⠀⠀⡇⠀⠀⠀⠀⠀⠀⠀ ⠀⠀⠀⠀⠀⢇⠀⠀⠀⠀⠀⠀⠀⠀⠈⢄⡀⢠⣟⢭⣥⣤⠽⡆⠀⡶⣊⣉⣲⣤⢀⡞⠀⠀⠀⠀⠀⠀⠀⠀ ⠀⠀⠀⠀⠀⠘⣆⠀⠀⠀⠀⠀⠀⡀⠀⠐⠂⠘⠄⣈⣙⡡⡴⠀⠀⠙⣄⠙⣛⠜⠘⣆⠀⠀⠀⠀⠀⠀⠀⠀ ⠀⠀⠀⠀⠀⠀⠈⢦⡀⠀⠀⠀⢸⠁⠀⠀⠀⠀⠀⠀⠄⠊⠀⠀⠀⠀⡸⠛⠀⠀⠀⢸⠆⠀⠀⠀⠀⠀⠀⠀ ⠀⠀⠀⠀⠀⠀⠀⠀⠈⠓⠦⢄⣘⣄⠀⠀⠀⠀⠀⠀⠀⡠⠀⠀⠀⠀⣇⡀⠀⠀⣠⠎⠀⠀⠀⠀⠀⠀⠀⠀ ⠀⠀⠀⠀⠀⠀⠀⠀⠀⠀⠀⣸⠁⠈⡟⠒⠲⣄⠀⠀⡰⠇⠖⢄⠀⠀⡹⡇⢀⠎⠁⠀⠀⠀⠀⠀⠀⠀⠀⠀ ⠀⠀⠀⠀⠀⠀⠀⠀⠀⠀⢀⡇⠀⠀⡇⠀⠀⠹⠀⡞⠀⠀⢀⠤⣍⠭⡀⢱⢸⠀⠀⠀⠀⠀⠀⠀⠀⠀⠀⠀ ⠀⠀⠀⠀⠀⠀⢀⣀⣀⣠⠞⠀⠀⢠⡇⠀⠀⠀⠀⠁⠀⢴⠥⠤⠦⠦⡼⠀⢸⠀⠀⠀⠀⠀⠀⠀⠀⠀⠀⠀ ⣀⣤⣴⣶⣿⣿⡟⠁⠀⠋⠀⠀⠀⢸⠁⠀⠀⠀⠀⠀⠀⠀⠑⣠⢤⠐⠁⠀⢸⠀⠀⠀⠀⠀⠀⠀⠀⠀⠀⠀ ⣿⣿⣿⣿⣿⡟⠀⠀⠀⠀⠀⠀⠀⢸⡀⠀⠀⠀⠀⠀⠀⠀⠀⠬⠥⣄⠀⠀⠈⠲⡄⠀⠀⠀⠀⠀⠀⠀⠀⠀ ⣿⣿⣿⣿⣿⡇⠀⠀⠀⠀⠀⠀⠀⠀⠙⠦⣄⠀⠀⠀⠀⠀⠀⠀⠀⠈⢳⠀⠀⢀⣿⡀⠀⠀⠀⠀⠀⠀⠀⠀ ⣿⣿⣿⣿⣿⣧⠀⠀⠀⠀⠀⠀⠀⠀⠀⠀⠈⠙⠒⠦⠤⢤⣄⣀⣠⠤⢿⣶⣶⣿⣿⣿⣶⣤⡀⠀⠀⠀⠀⠀ ⣿⣿⣿⣿⣿⣿⣷⣄⠀⠀⠀⠀⠀⠀⠀⠀⠀⠀⠀⠀⢀⡼⠁⠀⠀⣠⣾⣿⣿⣿⣿⣿⣿⣿⣿⣄⠀⠀⠀⠀ ⣿⣿⣿⣿⣿⣿⣿⣿⣿⣶⣦⣤⣤⣀⣀⣀⣀⣀⣀⣀⣤⣤⣤⣶⣾⣿⣿⣿⣿⣿⣿⣿⣿⣿⣿⣿</a:t>
             </a:r>
             <a:endParaRPr lang="en-US" sz="6000" dirty="0">
               <a:solidFill>
@@ -15509,6 +17092,18 @@
   <p:clrMapOvr>
     <a:overrideClrMapping bg1="dk1" tx1="lt1" bg2="dk2" tx2="lt2" accent1="accent1" accent2="accent2" accent3="accent3" accent4="accent4" accent5="accent5" accent6="accent6" hlink="hlink" folHlink="folHlink"/>
   </p:clrMapOvr>
+  <mc:AlternateContent xmlns:mc="http://schemas.openxmlformats.org/markup-compatibility/2006">
+    <mc:Choice xmlns:p15="http://schemas.microsoft.com/office/powerpoint/2012/main" Requires="p15">
+      <p:transition xmlns:p14="http://schemas.microsoft.com/office/powerpoint/2010/main" spd="slow" p14:dur="6000">
+        <p15:prstTrans prst="curtains"/>
+      </p:transition>
+    </mc:Choice>
+    <mc:Fallback>
+      <p:transition spd="slow">
+        <p:fade/>
+      </p:transition>
+    </mc:Fallback>
+  </mc:AlternateContent>
 </p:sld>
 </file>
 
